--- a/Grocery List Final.pptx
+++ b/Grocery List Final.pptx
@@ -9,12 +9,14 @@
     <p:sldId id="257" r:id="rId3"/>
     <p:sldId id="258" r:id="rId4"/>
     <p:sldId id="259" r:id="rId5"/>
-    <p:sldId id="260" r:id="rId6"/>
-    <p:sldId id="261" r:id="rId7"/>
-    <p:sldId id="262" r:id="rId8"/>
-    <p:sldId id="263" r:id="rId9"/>
-    <p:sldId id="264" r:id="rId10"/>
-    <p:sldId id="265" r:id="rId11"/>
+    <p:sldId id="266" r:id="rId6"/>
+    <p:sldId id="267" r:id="rId7"/>
+    <p:sldId id="260" r:id="rId8"/>
+    <p:sldId id="261" r:id="rId9"/>
+    <p:sldId id="262" r:id="rId10"/>
+    <p:sldId id="263" r:id="rId11"/>
+    <p:sldId id="264" r:id="rId12"/>
+    <p:sldId id="265" r:id="rId13"/>
   </p:sldIdLst>
   <p:sldSz cx="12192000" cy="6858000"/>
   <p:notesSz cx="6858000" cy="9144000"/>
@@ -3609,7 +3611,7 @@
           <a:p>
             <a:r>
               <a:rPr lang="en-CA" dirty="0"/>
-              <a:t>Application Development W2025</a:t>
+              <a:t>Application Development W2025 By Shaheryar Anwar &amp; Yakin Succes</a:t>
             </a:r>
           </a:p>
         </p:txBody>
@@ -3923,7 +3925,7 @@
           <p:cNvPr id="2" name="Title 1">
             <a:extLst>
               <a:ext uri="{FF2B5EF4-FFF2-40B4-BE49-F238E27FC236}">
-                <a16:creationId xmlns:a16="http://schemas.microsoft.com/office/drawing/2014/main" id="{735BEFDC-1DDC-1876-0135-27D5CBD784F9}"/>
+                <a16:creationId xmlns:a16="http://schemas.microsoft.com/office/drawing/2014/main" id="{F7F3A7CA-F34D-9D89-005B-CB6F57BC18C2}"/>
               </a:ext>
             </a:extLst>
           </p:cNvPr>
@@ -3943,6 +3945,306 @@
           <a:p>
             <a:r>
               <a:rPr lang="en-CA" dirty="0"/>
+              <a:t>What aspects of the project went more smoothly than expected?</a:t>
+            </a:r>
+          </a:p>
+        </p:txBody>
+      </p:sp>
+      <p:sp>
+        <p:nvSpPr>
+          <p:cNvPr id="3" name="Content Placeholder 2">
+            <a:extLst>
+              <a:ext uri="{FF2B5EF4-FFF2-40B4-BE49-F238E27FC236}">
+                <a16:creationId xmlns:a16="http://schemas.microsoft.com/office/drawing/2014/main" id="{6C03668C-11F4-BD4E-0B09-AD737D835578}"/>
+              </a:ext>
+            </a:extLst>
+          </p:cNvPr>
+          <p:cNvSpPr>
+            <a:spLocks noGrp="1"/>
+          </p:cNvSpPr>
+          <p:nvPr>
+            <p:ph idx="1"/>
+          </p:nvPr>
+        </p:nvSpPr>
+        <p:spPr/>
+        <p:txBody>
+          <a:bodyPr/>
+          <a:lstStyle/>
+          <a:p>
+            <a:pPr>
+              <a:buFontTx/>
+              <a:buChar char="-"/>
+            </a:pPr>
+            <a:r>
+              <a:rPr lang="en-CA" dirty="0"/>
+              <a:t>UI layout (Application design)</a:t>
+            </a:r>
+          </a:p>
+          <a:p>
+            <a:pPr>
+              <a:buFontTx/>
+              <a:buChar char="-"/>
+            </a:pPr>
+            <a:r>
+              <a:rPr lang="en-CA" dirty="0"/>
+              <a:t>CRUD</a:t>
+            </a:r>
+          </a:p>
+          <a:p>
+            <a:pPr>
+              <a:buFontTx/>
+              <a:buChar char="-"/>
+            </a:pPr>
+            <a:r>
+              <a:rPr lang="en-CA" dirty="0"/>
+              <a:t>Date picker (Calendar)</a:t>
+            </a:r>
+          </a:p>
+          <a:p>
+            <a:pPr>
+              <a:buFontTx/>
+              <a:buChar char="-"/>
+            </a:pPr>
+            <a:r>
+              <a:rPr lang="en-CA" dirty="0"/>
+              <a:t>Form validation</a:t>
+            </a:r>
+          </a:p>
+          <a:p>
+            <a:pPr>
+              <a:buFontTx/>
+              <a:buChar char="-"/>
+            </a:pPr>
+            <a:r>
+              <a:rPr lang="en-CA" dirty="0"/>
+              <a:t>Splash Screen</a:t>
+            </a:r>
+          </a:p>
+          <a:p>
+            <a:pPr>
+              <a:buFontTx/>
+              <a:buChar char="-"/>
+            </a:pPr>
+            <a:endParaRPr lang="en-CA" dirty="0"/>
+          </a:p>
+          <a:p>
+            <a:pPr>
+              <a:buFontTx/>
+              <a:buChar char="-"/>
+            </a:pPr>
+            <a:endParaRPr lang="en-CA" dirty="0"/>
+          </a:p>
+        </p:txBody>
+      </p:sp>
+    </p:spTree>
+    <p:extLst>
+      <p:ext uri="{BB962C8B-B14F-4D97-AF65-F5344CB8AC3E}">
+        <p14:creationId xmlns:p14="http://schemas.microsoft.com/office/powerpoint/2010/main" val="3189753442"/>
+      </p:ext>
+    </p:extLst>
+  </p:cSld>
+  <p:clrMapOvr>
+    <a:masterClrMapping/>
+  </p:clrMapOvr>
+</p:sld>
+</file>
+
+<file path=ppt/slides/slide11.xml><?xml version="1.0" encoding="utf-8"?>
+<p:sld xmlns:a="http://schemas.openxmlformats.org/drawingml/2006/main" xmlns:r="http://schemas.openxmlformats.org/officeDocument/2006/relationships" xmlns:p="http://schemas.openxmlformats.org/presentationml/2006/main">
+  <p:cSld>
+    <p:spTree>
+      <p:nvGrpSpPr>
+        <p:cNvPr id="1" name=""/>
+        <p:cNvGrpSpPr/>
+        <p:nvPr/>
+      </p:nvGrpSpPr>
+      <p:grpSpPr>
+        <a:xfrm>
+          <a:off x="0" y="0"/>
+          <a:ext cx="0" cy="0"/>
+          <a:chOff x="0" y="0"/>
+          <a:chExt cx="0" cy="0"/>
+        </a:xfrm>
+      </p:grpSpPr>
+      <p:sp>
+        <p:nvSpPr>
+          <p:cNvPr id="2" name="Title 1">
+            <a:extLst>
+              <a:ext uri="{FF2B5EF4-FFF2-40B4-BE49-F238E27FC236}">
+                <a16:creationId xmlns:a16="http://schemas.microsoft.com/office/drawing/2014/main" id="{43AEF880-C977-71AC-1985-E32667D5C612}"/>
+              </a:ext>
+            </a:extLst>
+          </p:cNvPr>
+          <p:cNvSpPr>
+            <a:spLocks noGrp="1"/>
+          </p:cNvSpPr>
+          <p:nvPr>
+            <p:ph type="title"/>
+          </p:nvPr>
+        </p:nvSpPr>
+        <p:spPr/>
+        <p:txBody>
+          <a:bodyPr>
+            <a:normAutofit fontScale="90000"/>
+          </a:bodyPr>
+          <a:lstStyle/>
+          <a:p>
+            <a:r>
+              <a:rPr lang="en-CA" dirty="0"/>
+              <a:t>How can we improve our project in the future?</a:t>
+            </a:r>
+          </a:p>
+        </p:txBody>
+      </p:sp>
+      <p:sp>
+        <p:nvSpPr>
+          <p:cNvPr id="3" name="Content Placeholder 2">
+            <a:extLst>
+              <a:ext uri="{FF2B5EF4-FFF2-40B4-BE49-F238E27FC236}">
+                <a16:creationId xmlns:a16="http://schemas.microsoft.com/office/drawing/2014/main" id="{7A1DF4BF-3F2C-1473-5CD1-AB2BD6B7C248}"/>
+              </a:ext>
+            </a:extLst>
+          </p:cNvPr>
+          <p:cNvSpPr>
+            <a:spLocks noGrp="1"/>
+          </p:cNvSpPr>
+          <p:nvPr>
+            <p:ph idx="1"/>
+          </p:nvPr>
+        </p:nvSpPr>
+        <p:spPr/>
+        <p:txBody>
+          <a:bodyPr/>
+          <a:lstStyle/>
+          <a:p>
+            <a:pPr>
+              <a:buFontTx/>
+              <a:buChar char="-"/>
+            </a:pPr>
+            <a:r>
+              <a:rPr lang="en-US" dirty="0"/>
+              <a:t>Enable sharing grocery lists with family or friends</a:t>
+            </a:r>
+          </a:p>
+          <a:p>
+            <a:pPr>
+              <a:buFontTx/>
+              <a:buChar char="-"/>
+            </a:pPr>
+            <a:r>
+              <a:rPr lang="en-US" dirty="0"/>
+              <a:t>Integrate a budget tracker to monitor total spending</a:t>
+            </a:r>
+          </a:p>
+          <a:p>
+            <a:pPr>
+              <a:buFontTx/>
+              <a:buChar char="-"/>
+            </a:pPr>
+            <a:r>
+              <a:rPr lang="en-US" dirty="0"/>
+              <a:t>Improve UI/UX with animations and custom themes</a:t>
+            </a:r>
+          </a:p>
+          <a:p>
+            <a:pPr>
+              <a:buFontTx/>
+              <a:buChar char="-"/>
+            </a:pPr>
+            <a:r>
+              <a:rPr lang="en-CA" dirty="0"/>
+              <a:t>Provide multi-language support</a:t>
+            </a:r>
+            <a:endParaRPr lang="en-US" dirty="0"/>
+          </a:p>
+          <a:p>
+            <a:pPr>
+              <a:buFontTx/>
+              <a:buChar char="-"/>
+            </a:pPr>
+            <a:r>
+              <a:rPr lang="en-US" dirty="0"/>
+              <a:t>Add swipe actions for quick delete</a:t>
+            </a:r>
+          </a:p>
+          <a:p>
+            <a:pPr>
+              <a:buFontTx/>
+              <a:buChar char="-"/>
+            </a:pPr>
+            <a:r>
+              <a:rPr lang="en-CA" dirty="0"/>
+              <a:t>Add 2FA (two-factor authentication)</a:t>
+            </a:r>
+          </a:p>
+          <a:p>
+            <a:pPr>
+              <a:buFontTx/>
+              <a:buChar char="-"/>
+            </a:pPr>
+            <a:r>
+              <a:rPr lang="en-CA" dirty="0"/>
+              <a:t>Add motivational messages</a:t>
+            </a:r>
+            <a:endParaRPr lang="en-US" dirty="0"/>
+          </a:p>
+        </p:txBody>
+      </p:sp>
+    </p:spTree>
+    <p:extLst>
+      <p:ext uri="{BB962C8B-B14F-4D97-AF65-F5344CB8AC3E}">
+        <p14:creationId xmlns:p14="http://schemas.microsoft.com/office/powerpoint/2010/main" val="702064570"/>
+      </p:ext>
+    </p:extLst>
+  </p:cSld>
+  <p:clrMapOvr>
+    <a:masterClrMapping/>
+  </p:clrMapOvr>
+</p:sld>
+</file>
+
+<file path=ppt/slides/slide12.xml><?xml version="1.0" encoding="utf-8"?>
+<p:sld xmlns:a="http://schemas.openxmlformats.org/drawingml/2006/main" xmlns:r="http://schemas.openxmlformats.org/officeDocument/2006/relationships" xmlns:p="http://schemas.openxmlformats.org/presentationml/2006/main">
+  <p:cSld>
+    <p:spTree>
+      <p:nvGrpSpPr>
+        <p:cNvPr id="1" name=""/>
+        <p:cNvGrpSpPr/>
+        <p:nvPr/>
+      </p:nvGrpSpPr>
+      <p:grpSpPr>
+        <a:xfrm>
+          <a:off x="0" y="0"/>
+          <a:ext cx="0" cy="0"/>
+          <a:chOff x="0" y="0"/>
+          <a:chExt cx="0" cy="0"/>
+        </a:xfrm>
+      </p:grpSpPr>
+      <p:sp>
+        <p:nvSpPr>
+          <p:cNvPr id="2" name="Title 1">
+            <a:extLst>
+              <a:ext uri="{FF2B5EF4-FFF2-40B4-BE49-F238E27FC236}">
+                <a16:creationId xmlns:a16="http://schemas.microsoft.com/office/drawing/2014/main" id="{735BEFDC-1DDC-1876-0135-27D5CBD784F9}"/>
+              </a:ext>
+            </a:extLst>
+          </p:cNvPr>
+          <p:cNvSpPr>
+            <a:spLocks noGrp="1"/>
+          </p:cNvSpPr>
+          <p:nvPr>
+            <p:ph type="title"/>
+          </p:nvPr>
+        </p:nvSpPr>
+        <p:spPr/>
+        <p:txBody>
+          <a:bodyPr>
+            <a:normAutofit fontScale="90000"/>
+          </a:bodyPr>
+          <a:lstStyle/>
+          <a:p>
+            <a:r>
+              <a:rPr lang="en-CA" dirty="0"/>
               <a:t>What was our learning experience using git? and how did we handle git conflicts?</a:t>
             </a:r>
             <a:br>
@@ -3973,10 +4275,28 @@
           <a:bodyPr/>
           <a:lstStyle/>
           <a:p>
-            <a:pPr marL="0" indent="0">
-              <a:buNone/>
-            </a:pPr>
-            <a:endParaRPr lang="en-CA" dirty="0"/>
+            <a:r>
+              <a:rPr lang="en-CA" dirty="0"/>
+              <a:t>Improved Collaboration Skills: Git teaches us how to work efficiently with others on the same code </a:t>
+            </a:r>
+          </a:p>
+          <a:p>
+            <a:r>
+              <a:rPr lang="en-CA" dirty="0"/>
+              <a:t>Better Project Management: Git helps us how to track changes over time</a:t>
+            </a:r>
+          </a:p>
+          <a:p>
+            <a:r>
+              <a:rPr lang="en-CA" dirty="0"/>
+              <a:t>Understanding Conflict Markers: When a conflict happens, Git marks the sections in the files with specific markers like &lt;&lt;&lt;&lt;&lt;&lt;, ========, &gt;&gt;&gt;&gt;&gt;&gt;</a:t>
+            </a:r>
+          </a:p>
+          <a:p>
+            <a:r>
+              <a:rPr lang="en-CA" dirty="0"/>
+              <a:t>Using Git Tools to Resolve Conflicts: We would often use Git commands like git status to see which files conflicted or built-in merge tools to resolve the problem visually</a:t>
+            </a:r>
           </a:p>
         </p:txBody>
       </p:sp>
@@ -4546,7 +4866,7 @@
           <p:cNvPr id="2" name="Title 1">
             <a:extLst>
               <a:ext uri="{FF2B5EF4-FFF2-40B4-BE49-F238E27FC236}">
-                <a16:creationId xmlns:a16="http://schemas.microsoft.com/office/drawing/2014/main" id="{244DA665-FCAB-4F7C-BB70-CB3B70910C43}"/>
+                <a16:creationId xmlns:a16="http://schemas.microsoft.com/office/drawing/2014/main" id="{B7C9B4A8-93F1-47D6-04F9-9C65BA144CEE}"/>
               </a:ext>
             </a:extLst>
           </p:cNvPr>
@@ -4559,143 +4879,122 @@
         </p:nvSpPr>
         <p:spPr/>
         <p:txBody>
+          <a:bodyPr/>
+          <a:lstStyle/>
+          <a:p>
+            <a:r>
+              <a:rPr lang="en-CA" dirty="0"/>
+              <a:t>15 features</a:t>
+            </a:r>
+          </a:p>
+        </p:txBody>
+      </p:sp>
+      <p:sp>
+        <p:nvSpPr>
+          <p:cNvPr id="3" name="Content Placeholder 2">
+            <a:extLst>
+              <a:ext uri="{FF2B5EF4-FFF2-40B4-BE49-F238E27FC236}">
+                <a16:creationId xmlns:a16="http://schemas.microsoft.com/office/drawing/2014/main" id="{104EA76A-3F56-5D24-5E24-D8C287836CBB}"/>
+              </a:ext>
+            </a:extLst>
+          </p:cNvPr>
+          <p:cNvSpPr>
+            <a:spLocks noGrp="1"/>
+          </p:cNvSpPr>
+          <p:nvPr>
+            <p:ph idx="1"/>
+          </p:nvPr>
+        </p:nvSpPr>
+        <p:spPr/>
+        <p:txBody>
           <a:bodyPr>
-            <a:normAutofit fontScale="90000"/>
+            <a:normAutofit/>
           </a:bodyPr>
           <a:lstStyle/>
           <a:p>
-            <a:r>
-              <a:rPr lang="en-CA" dirty="0"/>
-              <a:t>How did we divide the work among each other?</a:t>
-            </a:r>
-          </a:p>
-        </p:txBody>
-      </p:sp>
-      <p:sp>
-        <p:nvSpPr>
-          <p:cNvPr id="3" name="Content Placeholder 2">
-            <a:extLst>
-              <a:ext uri="{FF2B5EF4-FFF2-40B4-BE49-F238E27FC236}">
-                <a16:creationId xmlns:a16="http://schemas.microsoft.com/office/drawing/2014/main" id="{43702FB8-2CB8-5CB9-C62B-39E2D340522D}"/>
-              </a:ext>
-            </a:extLst>
-          </p:cNvPr>
-          <p:cNvSpPr>
-            <a:spLocks noGrp="1"/>
-          </p:cNvSpPr>
-          <p:nvPr>
-            <p:ph idx="1"/>
-          </p:nvPr>
-        </p:nvSpPr>
-        <p:spPr/>
-        <p:txBody>
-          <a:bodyPr>
-            <a:normAutofit fontScale="85000" lnSpcReduction="20000"/>
-          </a:bodyPr>
-          <a:lstStyle/>
+            <a:pPr marL="457200" indent="-457200">
+              <a:buAutoNum type="arabicParenR"/>
+            </a:pPr>
+            <a:r>
+              <a:rPr lang="en-CA" dirty="0"/>
+              <a:t>Routes</a:t>
+            </a:r>
+          </a:p>
+          <a:p>
+            <a:pPr marL="457200" indent="-457200">
+              <a:buAutoNum type="arabicParenR"/>
+            </a:pPr>
+            <a:r>
+              <a:rPr lang="en-CA" dirty="0"/>
+              <a:t>Navigation</a:t>
+            </a:r>
+          </a:p>
+          <a:p>
+            <a:pPr marL="457200" indent="-457200">
+              <a:buAutoNum type="arabicParenR"/>
+            </a:pPr>
+            <a:r>
+              <a:rPr lang="en-CA" dirty="0"/>
+              <a:t>List view</a:t>
+            </a:r>
+          </a:p>
+          <a:p>
+            <a:pPr marL="457200" indent="-457200">
+              <a:buAutoNum type="arabicParenR"/>
+            </a:pPr>
+            <a:r>
+              <a:rPr lang="en-CA" dirty="0"/>
+              <a:t>Grid view</a:t>
+            </a:r>
+          </a:p>
+          <a:p>
+            <a:pPr marL="457200" indent="-457200">
+              <a:buAutoNum type="arabicParenR"/>
+            </a:pPr>
+            <a:r>
+              <a:rPr lang="en-CA" dirty="0"/>
+              <a:t>Navigation drawer</a:t>
+            </a:r>
+          </a:p>
+          <a:p>
+            <a:pPr marL="457200" indent="-457200">
+              <a:buAutoNum type="arabicParenR"/>
+            </a:pPr>
+            <a:r>
+              <a:rPr lang="en-CA" dirty="0"/>
+              <a:t>Pop up dialog</a:t>
+            </a:r>
+          </a:p>
+          <a:p>
+            <a:pPr marL="457200" indent="-457200">
+              <a:buAutoNum type="arabicParenR"/>
+            </a:pPr>
+            <a:r>
+              <a:rPr lang="en-CA" dirty="0"/>
+              <a:t>Navigation bar</a:t>
+            </a:r>
+          </a:p>
+          <a:p>
+            <a:pPr marL="457200" indent="-457200">
+              <a:buAutoNum type="arabicParenR"/>
+            </a:pPr>
+            <a:r>
+              <a:rPr lang="en-CA" dirty="0"/>
+              <a:t>Splash screen</a:t>
+            </a:r>
+          </a:p>
           <a:p>
             <a:pPr marL="0" indent="0">
               <a:buNone/>
             </a:pPr>
-            <a:r>
-              <a:rPr lang="en-CA" dirty="0"/>
-              <a:t>Shaheryar Anwar:</a:t>
-            </a:r>
-          </a:p>
-          <a:p>
-            <a:pPr marL="0" indent="0">
-              <a:buNone/>
-            </a:pPr>
-            <a:r>
-              <a:rPr lang="en-CA" dirty="0"/>
-              <a:t>- Did almost all the page's design.</a:t>
-            </a:r>
-          </a:p>
-          <a:p>
-            <a:pPr marL="0" indent="0">
-              <a:buNone/>
-            </a:pPr>
-            <a:r>
-              <a:rPr lang="en-CA" dirty="0"/>
-              <a:t>Features implemented:</a:t>
-            </a:r>
-          </a:p>
-          <a:p>
-            <a:pPr>
-              <a:buFontTx/>
-              <a:buChar char="-"/>
-            </a:pPr>
-            <a:r>
-              <a:rPr lang="en-CA" dirty="0"/>
-              <a:t>Grid view</a:t>
-            </a:r>
-          </a:p>
-          <a:p>
-            <a:pPr>
-              <a:buFontTx/>
-              <a:buChar char="-"/>
-            </a:pPr>
-            <a:r>
-              <a:rPr lang="en-CA" dirty="0"/>
-              <a:t>Splash Screen</a:t>
-            </a:r>
-          </a:p>
-          <a:p>
-            <a:pPr>
-              <a:buFontTx/>
-              <a:buChar char="-"/>
-            </a:pPr>
-            <a:r>
-              <a:rPr lang="en-CA" dirty="0"/>
-              <a:t>API</a:t>
-            </a:r>
-          </a:p>
-          <a:p>
-            <a:pPr>
-              <a:buFontTx/>
-              <a:buChar char="-"/>
-            </a:pPr>
-            <a:r>
-              <a:rPr lang="en-CA" dirty="0"/>
-              <a:t>Search</a:t>
-            </a:r>
-          </a:p>
-          <a:p>
-            <a:pPr>
-              <a:buFontTx/>
-              <a:buChar char="-"/>
-            </a:pPr>
-            <a:r>
-              <a:rPr lang="en-CA" dirty="0"/>
-              <a:t>Date Picker (Calendar) </a:t>
-            </a:r>
-          </a:p>
-          <a:p>
-            <a:pPr>
-              <a:buFontTx/>
-              <a:buChar char="-"/>
-            </a:pPr>
-            <a:r>
-              <a:rPr lang="en-CA" dirty="0"/>
-              <a:t>Notification</a:t>
-            </a:r>
-          </a:p>
-          <a:p>
-            <a:pPr>
-              <a:buFontTx/>
-              <a:buChar char="-"/>
-            </a:pPr>
-            <a:r>
-              <a:rPr lang="en-CA" dirty="0"/>
-              <a:t>Form Validation </a:t>
-            </a:r>
+            <a:endParaRPr lang="en-CA" dirty="0"/>
           </a:p>
         </p:txBody>
       </p:sp>
     </p:spTree>
     <p:extLst>
       <p:ext uri="{BB962C8B-B14F-4D97-AF65-F5344CB8AC3E}">
-        <p14:creationId xmlns:p14="http://schemas.microsoft.com/office/powerpoint/2010/main" val="80653712"/>
+        <p14:creationId xmlns:p14="http://schemas.microsoft.com/office/powerpoint/2010/main" val="2436897793"/>
       </p:ext>
     </p:extLst>
   </p:cSld>
@@ -4727,7 +5026,7 @@
           <p:cNvPr id="2" name="Title 1">
             <a:extLst>
               <a:ext uri="{FF2B5EF4-FFF2-40B4-BE49-F238E27FC236}">
-                <a16:creationId xmlns:a16="http://schemas.microsoft.com/office/drawing/2014/main" id="{2959DEBC-C947-ADE1-A64E-F2D461AC8E15}"/>
+                <a16:creationId xmlns:a16="http://schemas.microsoft.com/office/drawing/2014/main" id="{98B27684-A06F-8402-FAA9-D00DE3D000E8}"/>
               </a:ext>
             </a:extLst>
           </p:cNvPr>
@@ -4740,47 +5039,45 @@
         </p:nvSpPr>
         <p:spPr/>
         <p:txBody>
+          <a:bodyPr/>
+          <a:lstStyle/>
+          <a:p>
+            <a:r>
+              <a:rPr lang="en-CA" dirty="0"/>
+              <a:t>15 features (continuation)</a:t>
+            </a:r>
+          </a:p>
+        </p:txBody>
+      </p:sp>
+      <p:sp>
+        <p:nvSpPr>
+          <p:cNvPr id="3" name="Content Placeholder 2">
+            <a:extLst>
+              <a:ext uri="{FF2B5EF4-FFF2-40B4-BE49-F238E27FC236}">
+                <a16:creationId xmlns:a16="http://schemas.microsoft.com/office/drawing/2014/main" id="{5A040882-F9C6-936A-D7F2-F3B026E736EB}"/>
+              </a:ext>
+            </a:extLst>
+          </p:cNvPr>
+          <p:cNvSpPr>
+            <a:spLocks noGrp="1"/>
+          </p:cNvSpPr>
+          <p:nvPr>
+            <p:ph idx="1"/>
+          </p:nvPr>
+        </p:nvSpPr>
+        <p:spPr/>
+        <p:txBody>
           <a:bodyPr>
-            <a:normAutofit fontScale="90000"/>
+            <a:normAutofit fontScale="92500" lnSpcReduction="10000"/>
           </a:bodyPr>
           <a:lstStyle/>
           <a:p>
-            <a:r>
-              <a:rPr lang="en-CA" dirty="0"/>
-              <a:t>How did we divide the work among each other? Continuation</a:t>
-            </a:r>
-          </a:p>
-        </p:txBody>
-      </p:sp>
-      <p:sp>
-        <p:nvSpPr>
-          <p:cNvPr id="3" name="Content Placeholder 2">
-            <a:extLst>
-              <a:ext uri="{FF2B5EF4-FFF2-40B4-BE49-F238E27FC236}">
-                <a16:creationId xmlns:a16="http://schemas.microsoft.com/office/drawing/2014/main" id="{A4CC33C0-890C-72A4-2BB1-35BCC737515A}"/>
-              </a:ext>
-            </a:extLst>
-          </p:cNvPr>
-          <p:cNvSpPr>
-            <a:spLocks noGrp="1"/>
-          </p:cNvSpPr>
-          <p:nvPr>
-            <p:ph idx="1"/>
-          </p:nvPr>
-        </p:nvSpPr>
-        <p:spPr/>
-        <p:txBody>
-          <a:bodyPr>
-            <a:normAutofit fontScale="85000" lnSpcReduction="20000"/>
-          </a:bodyPr>
-          <a:lstStyle/>
-          <a:p>
             <a:pPr marL="0" indent="0">
               <a:buNone/>
             </a:pPr>
             <a:r>
               <a:rPr lang="en-CA" dirty="0"/>
-              <a:t>Yakin :</a:t>
+              <a:t>9) Notification</a:t>
             </a:r>
           </a:p>
           <a:p>
@@ -4789,7 +5086,15 @@
             </a:pPr>
             <a:r>
               <a:rPr lang="en-CA" dirty="0"/>
-              <a:t>- Did all the database logic</a:t>
+              <a:t>10) API (</a:t>
+            </a:r>
+            <a:r>
+              <a:rPr lang="en-CA" dirty="0" err="1"/>
+              <a:t>CalorieNinjas</a:t>
+            </a:r>
+            <a:r>
+              <a:rPr lang="en-CA" dirty="0"/>
+              <a:t>)</a:t>
             </a:r>
           </a:p>
           <a:p>
@@ -4798,83 +5103,66 @@
             </a:pPr>
             <a:r>
               <a:rPr lang="en-CA" dirty="0"/>
-              <a:t>Features implemented:</a:t>
-            </a:r>
-          </a:p>
-          <a:p>
-            <a:pPr>
-              <a:buFontTx/>
-              <a:buChar char="-"/>
-            </a:pPr>
-            <a:r>
-              <a:rPr lang="en-CA" dirty="0"/>
-              <a:t>List View for products listing</a:t>
-            </a:r>
-          </a:p>
-          <a:p>
-            <a:pPr>
-              <a:buFontTx/>
-              <a:buChar char="-"/>
-            </a:pPr>
-            <a:r>
-              <a:rPr lang="en-CA" dirty="0"/>
-              <a:t>Navigation drawer</a:t>
-            </a:r>
-          </a:p>
-          <a:p>
-            <a:pPr>
-              <a:buFontTx/>
-              <a:buChar char="-"/>
-            </a:pPr>
-            <a:r>
-              <a:rPr lang="en-CA" dirty="0"/>
-              <a:t>Navigation bar</a:t>
-            </a:r>
-          </a:p>
-          <a:p>
-            <a:pPr>
-              <a:buFontTx/>
-              <a:buChar char="-"/>
-            </a:pPr>
-            <a:r>
-              <a:rPr lang="en-CA" dirty="0"/>
-              <a:t>Routing/navigation</a:t>
-            </a:r>
-          </a:p>
-          <a:p>
-            <a:pPr>
-              <a:buFontTx/>
-              <a:buChar char="-"/>
-            </a:pPr>
-            <a:r>
-              <a:rPr lang="en-CA" dirty="0"/>
-              <a:t>CRUD</a:t>
-            </a:r>
-          </a:p>
-          <a:p>
-            <a:pPr>
-              <a:buFontTx/>
-              <a:buChar char="-"/>
-            </a:pPr>
-            <a:r>
-              <a:rPr lang="en-CA" dirty="0"/>
-              <a:t>Snack bar</a:t>
-            </a:r>
-          </a:p>
-          <a:p>
-            <a:pPr>
-              <a:buFontTx/>
-              <a:buChar char="-"/>
-            </a:pPr>
-            <a:r>
-              <a:rPr lang="en-CA" dirty="0"/>
-              <a:t>Pop up dialog</a:t>
-            </a:r>
-          </a:p>
-          <a:p>
-            <a:pPr>
-              <a:buFontTx/>
-              <a:buChar char="-"/>
+              <a:t>11) CRUD</a:t>
+            </a:r>
+          </a:p>
+          <a:p>
+            <a:pPr marL="0" indent="0">
+              <a:buNone/>
+            </a:pPr>
+            <a:r>
+              <a:rPr lang="en-CA" dirty="0"/>
+              <a:t>12) Search</a:t>
+            </a:r>
+          </a:p>
+          <a:p>
+            <a:pPr marL="0" indent="0">
+              <a:buNone/>
+            </a:pPr>
+            <a:r>
+              <a:rPr lang="en-CA" dirty="0"/>
+              <a:t>13) Snack bar</a:t>
+            </a:r>
+          </a:p>
+          <a:p>
+            <a:pPr marL="0" indent="0">
+              <a:buNone/>
+            </a:pPr>
+            <a:r>
+              <a:rPr lang="en-CA" dirty="0"/>
+              <a:t>14) Form validation</a:t>
+            </a:r>
+          </a:p>
+          <a:p>
+            <a:pPr marL="0" indent="0">
+              <a:buNone/>
+            </a:pPr>
+            <a:r>
+              <a:rPr lang="en-CA" dirty="0"/>
+              <a:t>15) Date picker (Calendar)</a:t>
+            </a:r>
+          </a:p>
+          <a:p>
+            <a:pPr marL="0" indent="0">
+              <a:buNone/>
+            </a:pPr>
+            <a:r>
+              <a:rPr lang="en-CA" dirty="0"/>
+              <a:t>16) Database (SQLite)</a:t>
+            </a:r>
+          </a:p>
+          <a:p>
+            <a:pPr marL="0" indent="0">
+              <a:buNone/>
+            </a:pPr>
+            <a:r>
+              <a:rPr lang="en-CA" dirty="0"/>
+              <a:t>17) Session Management(Storing user information safely)</a:t>
+            </a:r>
+          </a:p>
+          <a:p>
+            <a:pPr marL="0" indent="0">
+              <a:buNone/>
             </a:pPr>
             <a:endParaRPr lang="en-CA" dirty="0"/>
           </a:p>
@@ -4883,7 +5171,7 @@
     </p:spTree>
     <p:extLst>
       <p:ext uri="{BB962C8B-B14F-4D97-AF65-F5344CB8AC3E}">
-        <p14:creationId xmlns:p14="http://schemas.microsoft.com/office/powerpoint/2010/main" val="2966358257"/>
+        <p14:creationId xmlns:p14="http://schemas.microsoft.com/office/powerpoint/2010/main" val="2532020113"/>
       </p:ext>
     </p:extLst>
   </p:cSld>
@@ -4915,7 +5203,7 @@
           <p:cNvPr id="2" name="Title 1">
             <a:extLst>
               <a:ext uri="{FF2B5EF4-FFF2-40B4-BE49-F238E27FC236}">
-                <a16:creationId xmlns:a16="http://schemas.microsoft.com/office/drawing/2014/main" id="{6ADF5711-0CD2-8D98-9F95-0E1D40AF839C}"/>
+                <a16:creationId xmlns:a16="http://schemas.microsoft.com/office/drawing/2014/main" id="{244DA665-FCAB-4F7C-BB70-CB3B70910C43}"/>
               </a:ext>
             </a:extLst>
           </p:cNvPr>
@@ -4935,7 +5223,7 @@
           <a:p>
             <a:r>
               <a:rPr lang="en-CA" dirty="0"/>
-              <a:t>What were some major difficulties we had to overcome during development?</a:t>
+              <a:t>How did we divide the work among each other?</a:t>
             </a:r>
           </a:p>
         </p:txBody>
@@ -4945,7 +5233,7 @@
           <p:cNvPr id="3" name="Content Placeholder 2">
             <a:extLst>
               <a:ext uri="{FF2B5EF4-FFF2-40B4-BE49-F238E27FC236}">
-                <a16:creationId xmlns:a16="http://schemas.microsoft.com/office/drawing/2014/main" id="{0C04E02E-062E-CDBD-B89B-3818C6B4B75A}"/>
+                <a16:creationId xmlns:a16="http://schemas.microsoft.com/office/drawing/2014/main" id="{43702FB8-2CB8-5CB9-C62B-39E2D340522D}"/>
               </a:ext>
             </a:extLst>
           </p:cNvPr>
@@ -4959,9 +5247,36 @@
         <p:spPr/>
         <p:txBody>
           <a:bodyPr>
-            <a:normAutofit fontScale="92500" lnSpcReduction="10000"/>
+            <a:normAutofit fontScale="85000" lnSpcReduction="20000"/>
           </a:bodyPr>
           <a:lstStyle/>
+          <a:p>
+            <a:pPr marL="0" indent="0">
+              <a:buNone/>
+            </a:pPr>
+            <a:r>
+              <a:rPr lang="en-CA" dirty="0"/>
+              <a:t>Shaheryar Anwar:</a:t>
+            </a:r>
+          </a:p>
+          <a:p>
+            <a:pPr marL="0" indent="0">
+              <a:buNone/>
+            </a:pPr>
+            <a:r>
+              <a:rPr lang="en-CA" dirty="0"/>
+              <a:t>- Did almost all the page's design.</a:t>
+            </a:r>
+          </a:p>
+          <a:p>
+            <a:pPr marL="0" indent="0">
+              <a:buNone/>
+            </a:pPr>
+            <a:r>
+              <a:rPr lang="en-CA" dirty="0"/>
+              <a:t>Features implemented:</a:t>
+            </a:r>
+          </a:p>
           <a:p>
             <a:pPr>
               <a:buFontTx/>
@@ -4969,7 +5284,7 @@
             </a:pPr>
             <a:r>
               <a:rPr lang="en-CA" dirty="0"/>
-              <a:t>Managing time between exams and projects.</a:t>
+              <a:t>Grid view</a:t>
             </a:r>
           </a:p>
           <a:p>
@@ -4979,7 +5294,7 @@
             </a:pPr>
             <a:r>
               <a:rPr lang="en-CA" dirty="0"/>
-              <a:t>Coming up with the 15 features.</a:t>
+              <a:t>Splash Screen</a:t>
             </a:r>
           </a:p>
           <a:p>
@@ -4989,7 +5304,7 @@
             </a:pPr>
             <a:r>
               <a:rPr lang="en-CA" dirty="0"/>
-              <a:t>Coming up with the overall design.</a:t>
+              <a:t>API</a:t>
             </a:r>
           </a:p>
           <a:p>
@@ -4999,7 +5314,7 @@
             </a:pPr>
             <a:r>
               <a:rPr lang="en-CA" dirty="0"/>
-              <a:t>Product table not working properly.</a:t>
+              <a:t>Search</a:t>
             </a:r>
           </a:p>
           <a:p>
@@ -5009,7 +5324,7 @@
             </a:pPr>
             <a:r>
               <a:rPr lang="en-CA" dirty="0"/>
-              <a:t>The android studio in Shaheryar laptop running slow and sometimes even crashing.</a:t>
+              <a:t>Date Picker (Calendar) </a:t>
             </a:r>
           </a:p>
           <a:p>
@@ -5019,7 +5334,7 @@
             </a:pPr>
             <a:r>
               <a:rPr lang="en-CA" dirty="0"/>
-              <a:t>Both API and search kept giving us inconsistent responses and errors.</a:t>
+              <a:t>Notification</a:t>
             </a:r>
           </a:p>
           <a:p>
@@ -5029,49 +5344,15 @@
             </a:pPr>
             <a:r>
               <a:rPr lang="en-CA" dirty="0"/>
-              <a:t>Routings sometimes not working properly.</a:t>
-            </a:r>
-          </a:p>
-          <a:p>
-            <a:pPr>
-              <a:buFontTx/>
-              <a:buChar char="-"/>
-            </a:pPr>
-            <a:r>
-              <a:rPr lang="en-CA" dirty="0"/>
-              <a:t>Shaheryar Emulator not having enough storage.</a:t>
-            </a:r>
-          </a:p>
-          <a:p>
-            <a:pPr>
-              <a:buFontTx/>
-              <a:buChar char="-"/>
-            </a:pPr>
-            <a:r>
-              <a:rPr lang="en-CA" dirty="0"/>
-              <a:t>Implementing notifications.</a:t>
-            </a:r>
-          </a:p>
-          <a:p>
-            <a:pPr>
-              <a:buFontTx/>
-              <a:buChar char="-"/>
-            </a:pPr>
-            <a:endParaRPr lang="en-CA" dirty="0"/>
-          </a:p>
-          <a:p>
-            <a:pPr>
-              <a:buFontTx/>
-              <a:buChar char="-"/>
-            </a:pPr>
-            <a:endParaRPr lang="en-CA" dirty="0"/>
+              <a:t>Form Validation </a:t>
+            </a:r>
           </a:p>
         </p:txBody>
       </p:sp>
     </p:spTree>
     <p:extLst>
       <p:ext uri="{BB962C8B-B14F-4D97-AF65-F5344CB8AC3E}">
-        <p14:creationId xmlns:p14="http://schemas.microsoft.com/office/powerpoint/2010/main" val="1564725603"/>
+        <p14:creationId xmlns:p14="http://schemas.microsoft.com/office/powerpoint/2010/main" val="80653712"/>
       </p:ext>
     </p:extLst>
   </p:cSld>
@@ -5103,7 +5384,7 @@
           <p:cNvPr id="2" name="Title 1">
             <a:extLst>
               <a:ext uri="{FF2B5EF4-FFF2-40B4-BE49-F238E27FC236}">
-                <a16:creationId xmlns:a16="http://schemas.microsoft.com/office/drawing/2014/main" id="{F7F3A7CA-F34D-9D89-005B-CB6F57BC18C2}"/>
+                <a16:creationId xmlns:a16="http://schemas.microsoft.com/office/drawing/2014/main" id="{2959DEBC-C947-ADE1-A64E-F2D461AC8E15}"/>
               </a:ext>
             </a:extLst>
           </p:cNvPr>
@@ -5123,7 +5404,7 @@
           <a:p>
             <a:r>
               <a:rPr lang="en-CA" dirty="0"/>
-              <a:t>What aspects of the project went more smoothly than expected?</a:t>
+              <a:t>How did we divide the work among each other? Continuation</a:t>
             </a:r>
           </a:p>
         </p:txBody>
@@ -5133,7 +5414,7 @@
           <p:cNvPr id="3" name="Content Placeholder 2">
             <a:extLst>
               <a:ext uri="{FF2B5EF4-FFF2-40B4-BE49-F238E27FC236}">
-                <a16:creationId xmlns:a16="http://schemas.microsoft.com/office/drawing/2014/main" id="{6C03668C-11F4-BD4E-0B09-AD737D835578}"/>
+                <a16:creationId xmlns:a16="http://schemas.microsoft.com/office/drawing/2014/main" id="{A4CC33C0-890C-72A4-2BB1-35BCC737515A}"/>
               </a:ext>
             </a:extLst>
           </p:cNvPr>
@@ -5146,8 +5427,37 @@
         </p:nvSpPr>
         <p:spPr/>
         <p:txBody>
-          <a:bodyPr/>
-          <a:lstStyle/>
+          <a:bodyPr>
+            <a:normAutofit fontScale="85000" lnSpcReduction="20000"/>
+          </a:bodyPr>
+          <a:lstStyle/>
+          <a:p>
+            <a:pPr marL="0" indent="0">
+              <a:buNone/>
+            </a:pPr>
+            <a:r>
+              <a:rPr lang="en-CA" dirty="0"/>
+              <a:t>Yakin :</a:t>
+            </a:r>
+          </a:p>
+          <a:p>
+            <a:pPr marL="0" indent="0">
+              <a:buNone/>
+            </a:pPr>
+            <a:r>
+              <a:rPr lang="en-CA" dirty="0"/>
+              <a:t>- Did all the database logic</a:t>
+            </a:r>
+          </a:p>
+          <a:p>
+            <a:pPr marL="0" indent="0">
+              <a:buNone/>
+            </a:pPr>
+            <a:r>
+              <a:rPr lang="en-CA" dirty="0"/>
+              <a:t>Features implemented:</a:t>
+            </a:r>
+          </a:p>
           <a:p>
             <a:pPr>
               <a:buFontTx/>
@@ -5155,7 +5465,7 @@
             </a:pPr>
             <a:r>
               <a:rPr lang="en-CA" dirty="0"/>
-              <a:t>UI layout (Application design)</a:t>
+              <a:t>List View for products listing</a:t>
             </a:r>
           </a:p>
           <a:p>
@@ -5165,7 +5475,7 @@
             </a:pPr>
             <a:r>
               <a:rPr lang="en-CA" dirty="0"/>
-              <a:t>CRUD</a:t>
+              <a:t>Navigation drawer</a:t>
             </a:r>
           </a:p>
           <a:p>
@@ -5175,7 +5485,7 @@
             </a:pPr>
             <a:r>
               <a:rPr lang="en-CA" dirty="0"/>
-              <a:t>Date picker (Calendar)</a:t>
+              <a:t>Navigation bar</a:t>
             </a:r>
           </a:p>
           <a:p>
@@ -5185,7 +5495,7 @@
             </a:pPr>
             <a:r>
               <a:rPr lang="en-CA" dirty="0"/>
-              <a:t>Form validation</a:t>
+              <a:t>Routing/navigation</a:t>
             </a:r>
           </a:p>
           <a:p>
@@ -5195,7 +5505,7 @@
             </a:pPr>
             <a:r>
               <a:rPr lang="en-CA" dirty="0"/>
-              <a:t>Splash Screen</a:t>
+              <a:t>CRUD</a:t>
             </a:r>
           </a:p>
           <a:p>
@@ -5203,13 +5513,26 @@
               <a:buFontTx/>
               <a:buChar char="-"/>
             </a:pPr>
-            <a:endParaRPr lang="en-CA" dirty="0"/>
+            <a:r>
+              <a:rPr lang="en-CA" dirty="0"/>
+              <a:t>Snack bar</a:t>
+            </a:r>
           </a:p>
           <a:p>
             <a:pPr>
               <a:buFontTx/>
               <a:buChar char="-"/>
             </a:pPr>
+            <a:r>
+              <a:rPr lang="en-CA" dirty="0"/>
+              <a:t>Pop up dialog</a:t>
+            </a:r>
+          </a:p>
+          <a:p>
+            <a:pPr>
+              <a:buFontTx/>
+              <a:buChar char="-"/>
+            </a:pPr>
             <a:endParaRPr lang="en-CA" dirty="0"/>
           </a:p>
         </p:txBody>
@@ -5217,7 +5540,7 @@
     </p:spTree>
     <p:extLst>
       <p:ext uri="{BB962C8B-B14F-4D97-AF65-F5344CB8AC3E}">
-        <p14:creationId xmlns:p14="http://schemas.microsoft.com/office/powerpoint/2010/main" val="3189753442"/>
+        <p14:creationId xmlns:p14="http://schemas.microsoft.com/office/powerpoint/2010/main" val="2966358257"/>
       </p:ext>
     </p:extLst>
   </p:cSld>
@@ -5249,7 +5572,7 @@
           <p:cNvPr id="2" name="Title 1">
             <a:extLst>
               <a:ext uri="{FF2B5EF4-FFF2-40B4-BE49-F238E27FC236}">
-                <a16:creationId xmlns:a16="http://schemas.microsoft.com/office/drawing/2014/main" id="{43AEF880-C977-71AC-1985-E32667D5C612}"/>
+                <a16:creationId xmlns:a16="http://schemas.microsoft.com/office/drawing/2014/main" id="{6ADF5711-0CD2-8D98-9F95-0E1D40AF839C}"/>
               </a:ext>
             </a:extLst>
           </p:cNvPr>
@@ -5269,7 +5592,7 @@
           <a:p>
             <a:r>
               <a:rPr lang="en-CA" dirty="0"/>
-              <a:t>How can we improve our project in the future?</a:t>
+              <a:t>What were some major difficulties we had to overcome during development?</a:t>
             </a:r>
           </a:p>
         </p:txBody>
@@ -5279,7 +5602,7 @@
           <p:cNvPr id="3" name="Content Placeholder 2">
             <a:extLst>
               <a:ext uri="{FF2B5EF4-FFF2-40B4-BE49-F238E27FC236}">
-                <a16:creationId xmlns:a16="http://schemas.microsoft.com/office/drawing/2014/main" id="{7A1DF4BF-3F2C-1473-5CD1-AB2BD6B7C248}"/>
+                <a16:creationId xmlns:a16="http://schemas.microsoft.com/office/drawing/2014/main" id="{0C04E02E-062E-CDBD-B89B-3818C6B4B75A}"/>
               </a:ext>
             </a:extLst>
           </p:cNvPr>
@@ -5292,7 +5615,9 @@
         </p:nvSpPr>
         <p:spPr/>
         <p:txBody>
-          <a:bodyPr/>
+          <a:bodyPr>
+            <a:normAutofit fontScale="92500" lnSpcReduction="10000"/>
+          </a:bodyPr>
           <a:lstStyle/>
           <a:p>
             <a:pPr>
@@ -5300,8 +5625,8 @@
               <a:buChar char="-"/>
             </a:pPr>
             <a:r>
-              <a:rPr lang="en-US" dirty="0"/>
-              <a:t>Enable sharing grocery lists with family or friends</a:t>
+              <a:rPr lang="en-CA" dirty="0"/>
+              <a:t>Managing time between exams and projects.</a:t>
             </a:r>
           </a:p>
           <a:p>
@@ -5310,8 +5635,8 @@
               <a:buChar char="-"/>
             </a:pPr>
             <a:r>
-              <a:rPr lang="en-US" dirty="0"/>
-              <a:t>Integrate a budget tracker to monitor total spending</a:t>
+              <a:rPr lang="en-CA" dirty="0"/>
+              <a:t>Coming up with the 15 features.</a:t>
             </a:r>
           </a:p>
           <a:p>
@@ -5320,8 +5645,8 @@
               <a:buChar char="-"/>
             </a:pPr>
             <a:r>
-              <a:rPr lang="en-US" dirty="0"/>
-              <a:t>Improve UI/UX with animations and custom themes</a:t>
+              <a:rPr lang="en-CA" dirty="0"/>
+              <a:t>Coming up with the overall design.</a:t>
             </a:r>
           </a:p>
           <a:p>
@@ -5331,9 +5656,8 @@
             </a:pPr>
             <a:r>
               <a:rPr lang="en-CA" dirty="0"/>
-              <a:t>Provide multi-language support</a:t>
-            </a:r>
-            <a:endParaRPr lang="en-US" dirty="0"/>
+              <a:t>Product table not working properly.</a:t>
+            </a:r>
           </a:p>
           <a:p>
             <a:pPr>
@@ -5341,8 +5665,8 @@
               <a:buChar char="-"/>
             </a:pPr>
             <a:r>
-              <a:rPr lang="en-US" dirty="0"/>
-              <a:t>Add swipe actions for quick delete</a:t>
+              <a:rPr lang="en-CA" dirty="0"/>
+              <a:t>The android studio in Shaheryar laptop running slow and sometimes even crashing.</a:t>
             </a:r>
           </a:p>
           <a:p>
@@ -5352,7 +5676,7 @@
             </a:pPr>
             <a:r>
               <a:rPr lang="en-CA" dirty="0"/>
-              <a:t>Add 2FA (two-factor authentication)</a:t>
+              <a:t>Both API and search kept giving us inconsistent responses and errors.</a:t>
             </a:r>
           </a:p>
           <a:p>
@@ -5362,16 +5686,49 @@
             </a:pPr>
             <a:r>
               <a:rPr lang="en-CA" dirty="0"/>
-              <a:t>Add motivational messages</a:t>
-            </a:r>
-            <a:endParaRPr lang="en-US" dirty="0"/>
+              <a:t>Routings sometimes not working properly.</a:t>
+            </a:r>
+          </a:p>
+          <a:p>
+            <a:pPr>
+              <a:buFontTx/>
+              <a:buChar char="-"/>
+            </a:pPr>
+            <a:r>
+              <a:rPr lang="en-CA" dirty="0"/>
+              <a:t>Shaheryar Emulator not having enough storage.</a:t>
+            </a:r>
+          </a:p>
+          <a:p>
+            <a:pPr>
+              <a:buFontTx/>
+              <a:buChar char="-"/>
+            </a:pPr>
+            <a:r>
+              <a:rPr lang="en-CA" dirty="0"/>
+              <a:t>Implementing notifications.</a:t>
+            </a:r>
+          </a:p>
+          <a:p>
+            <a:pPr>
+              <a:buFontTx/>
+              <a:buChar char="-"/>
+            </a:pPr>
+            <a:endParaRPr lang="en-CA" dirty="0"/>
+          </a:p>
+          <a:p>
+            <a:pPr>
+              <a:buFontTx/>
+              <a:buChar char="-"/>
+            </a:pPr>
+            <a:endParaRPr lang="en-CA" dirty="0"/>
           </a:p>
         </p:txBody>
       </p:sp>
     </p:spTree>
     <p:extLst>
       <p:ext uri="{BB962C8B-B14F-4D97-AF65-F5344CB8AC3E}">
-        <p14:creationId xmlns:p14="http://schemas.microsoft.com/office/powerpoint/2010/main" val="702064570"/>
+        <p14:creationId xmlns:p14="http://schemas.microsoft.com/office/powerpoint/2010/main" val="1564725603"/>
       </p:ext>
     </p:extLst>
   </p:cSld>
